--- a/figure-assembly/figure-2-components/panel_steady_state_equations.pptx
+++ b/figure-assembly/figure-2-components/panel_steady_state_equations.pptx
@@ -259,7 +259,7 @@
           <a:p>
             <a:fld id="{2E26A54F-8197-FC45-8BC9-6D7422A795DE}" type="datetimeFigureOut">
               <a:rPr lang="en-US" smtClean="0"/>
-              <a:t>2019-09-05</a:t>
+              <a:t>2019-10-29</a:t>
             </a:fld>
             <a:endParaRPr lang="en-US"/>
           </a:p>
@@ -457,7 +457,7 @@
           <a:p>
             <a:fld id="{2E26A54F-8197-FC45-8BC9-6D7422A795DE}" type="datetimeFigureOut">
               <a:rPr lang="en-US" smtClean="0"/>
-              <a:t>2019-09-05</a:t>
+              <a:t>2019-10-29</a:t>
             </a:fld>
             <a:endParaRPr lang="en-US"/>
           </a:p>
@@ -665,7 +665,7 @@
           <a:p>
             <a:fld id="{2E26A54F-8197-FC45-8BC9-6D7422A795DE}" type="datetimeFigureOut">
               <a:rPr lang="en-US" smtClean="0"/>
-              <a:t>2019-09-05</a:t>
+              <a:t>2019-10-29</a:t>
             </a:fld>
             <a:endParaRPr lang="en-US"/>
           </a:p>
@@ -863,7 +863,7 @@
           <a:p>
             <a:fld id="{2E26A54F-8197-FC45-8BC9-6D7422A795DE}" type="datetimeFigureOut">
               <a:rPr lang="en-US" smtClean="0"/>
-              <a:t>2019-09-05</a:t>
+              <a:t>2019-10-29</a:t>
             </a:fld>
             <a:endParaRPr lang="en-US"/>
           </a:p>
@@ -1138,7 +1138,7 @@
           <a:p>
             <a:fld id="{2E26A54F-8197-FC45-8BC9-6D7422A795DE}" type="datetimeFigureOut">
               <a:rPr lang="en-US" smtClean="0"/>
-              <a:t>2019-09-05</a:t>
+              <a:t>2019-10-29</a:t>
             </a:fld>
             <a:endParaRPr lang="en-US"/>
           </a:p>
@@ -1403,7 +1403,7 @@
           <a:p>
             <a:fld id="{2E26A54F-8197-FC45-8BC9-6D7422A795DE}" type="datetimeFigureOut">
               <a:rPr lang="en-US" smtClean="0"/>
-              <a:t>2019-09-05</a:t>
+              <a:t>2019-10-29</a:t>
             </a:fld>
             <a:endParaRPr lang="en-US"/>
           </a:p>
@@ -1815,7 +1815,7 @@
           <a:p>
             <a:fld id="{2E26A54F-8197-FC45-8BC9-6D7422A795DE}" type="datetimeFigureOut">
               <a:rPr lang="en-US" smtClean="0"/>
-              <a:t>2019-09-05</a:t>
+              <a:t>2019-10-29</a:t>
             </a:fld>
             <a:endParaRPr lang="en-US"/>
           </a:p>
@@ -1956,7 +1956,7 @@
           <a:p>
             <a:fld id="{2E26A54F-8197-FC45-8BC9-6D7422A795DE}" type="datetimeFigureOut">
               <a:rPr lang="en-US" smtClean="0"/>
-              <a:t>2019-09-05</a:t>
+              <a:t>2019-10-29</a:t>
             </a:fld>
             <a:endParaRPr lang="en-US"/>
           </a:p>
@@ -2069,7 +2069,7 @@
           <a:p>
             <a:fld id="{2E26A54F-8197-FC45-8BC9-6D7422A795DE}" type="datetimeFigureOut">
               <a:rPr lang="en-US" smtClean="0"/>
-              <a:t>2019-09-05</a:t>
+              <a:t>2019-10-29</a:t>
             </a:fld>
             <a:endParaRPr lang="en-US"/>
           </a:p>
@@ -2380,7 +2380,7 @@
           <a:p>
             <a:fld id="{2E26A54F-8197-FC45-8BC9-6D7422A795DE}" type="datetimeFigureOut">
               <a:rPr lang="en-US" smtClean="0"/>
-              <a:t>2019-09-05</a:t>
+              <a:t>2019-10-29</a:t>
             </a:fld>
             <a:endParaRPr lang="en-US"/>
           </a:p>
@@ -2668,7 +2668,7 @@
           <a:p>
             <a:fld id="{2E26A54F-8197-FC45-8BC9-6D7422A795DE}" type="datetimeFigureOut">
               <a:rPr lang="en-US" smtClean="0"/>
-              <a:t>2019-09-05</a:t>
+              <a:t>2019-10-29</a:t>
             </a:fld>
             <a:endParaRPr lang="en-US"/>
           </a:p>
@@ -2909,7 +2909,7 @@
           <a:p>
             <a:fld id="{2E26A54F-8197-FC45-8BC9-6D7422A795DE}" type="datetimeFigureOut">
               <a:rPr lang="en-US" smtClean="0"/>
-              <a:t>2019-09-05</a:t>
+              <a:t>2019-10-29</a:t>
             </a:fld>
             <a:endParaRPr lang="en-US"/>
           </a:p>
@@ -3378,8 +3378,8 @@
           </a:p>
         </p:txBody>
       </p:sp>
-      <mc:AlternateContent xmlns:mc="http://schemas.openxmlformats.org/markup-compatibility/2006">
-        <mc:Choice xmlns:a14="http://schemas.microsoft.com/office/drawing/2010/main" Requires="a14">
+      <mc:AlternateContent xmlns:mc="http://schemas.openxmlformats.org/markup-compatibility/2006" xmlns:a14="http://schemas.microsoft.com/office/drawing/2010/main">
+        <mc:Choice Requires="a14">
           <p:sp>
             <p:nvSpPr>
               <p:cNvPr id="13" name="Content Placeholder 2">
@@ -4163,7 +4163,7 @@
             </p:txBody>
           </p:sp>
         </mc:Choice>
-        <mc:Fallback>
+        <mc:Fallback xmlns="">
           <p:sp>
             <p:nvSpPr>
               <p:cNvPr id="13" name="Content Placeholder 2">
@@ -4227,8 +4227,8 @@
             </p:nvSpPr>
             <p:spPr>
               <a:xfrm>
-                <a:off x="510640" y="2490163"/>
-                <a:ext cx="4260956" cy="934871"/>
+                <a:off x="510640" y="2880672"/>
+                <a:ext cx="4260956" cy="519822"/>
               </a:xfrm>
               <a:prstGeom prst="rect">
                 <a:avLst/>
@@ -4242,7 +4242,7 @@
               <a:p>
                 <a:pPr algn="ctr"/>
                 <a:r>
-                  <a:rPr lang="en-GB" sz="1600" dirty="0">
+                  <a:rPr lang="en-GB" sz="1600" dirty="0" smtClean="0">
                     <a:ea typeface="Cambria Math" panose="02040503050406030204" pitchFamily="18" charset="0"/>
                   </a:rPr>
                   <a:t>Growth rate</a:t>
@@ -4262,275 +4262,133 @@
                       </a:rPr>
                       <m:t>𝛼</m:t>
                     </m:r>
+                    <m:r>
+                      <a:rPr lang="en-GB" sz="1900" b="0" i="0" smtClean="0">
+                        <a:latin typeface="Cambria Math" panose="02040503050406030204" pitchFamily="18" charset="0"/>
+                      </a:rPr>
+                      <m:t>=</m:t>
+                    </m:r>
+                    <m:r>
+                      <a:rPr lang="ar-AE" sz="1900" smtClean="0">
+                        <a:latin typeface="Cambria Math" panose="02040503050406030204" pitchFamily="18" charset="0"/>
+                      </a:rPr>
+                      <m:t>𝑘</m:t>
+                    </m:r>
+                    <m:r>
+                      <a:rPr lang="ar-AE" sz="2000">
+                        <a:solidFill>
+                          <a:srgbClr val="00B050"/>
+                        </a:solidFill>
+                        <a:latin typeface="Cambria Math" panose="02040503050406030204" pitchFamily="18" charset="0"/>
+                      </a:rPr>
+                      <m:t>𝑒</m:t>
+                    </m:r>
+                    <m:r>
+                      <a:rPr lang="ar-AE" sz="1900">
+                        <a:latin typeface="Cambria Math" panose="02040503050406030204" pitchFamily="18" charset="0"/>
+                      </a:rPr>
+                      <m:t>=</m:t>
+                    </m:r>
+                    <m:r>
+                      <a:rPr lang="ar-AE" sz="1900">
+                        <a:latin typeface="Cambria Math" panose="02040503050406030204" pitchFamily="18" charset="0"/>
+                      </a:rPr>
+                      <m:t>𝜎</m:t>
+                    </m:r>
+                    <m:sSub>
+                      <m:sSubPr>
+                        <m:ctrlPr>
+                          <a:rPr lang="ar-AE" sz="1900" i="1" smtClean="0">
+                            <a:latin typeface="Cambria Math" panose="02040503050406030204" pitchFamily="18" charset="0"/>
+                          </a:rPr>
+                        </m:ctrlPr>
+                      </m:sSubPr>
+                      <m:e>
+                        <m:r>
+                          <a:rPr lang="ar-AE" sz="2000">
+                            <a:solidFill>
+                              <a:srgbClr val="0432FF"/>
+                            </a:solidFill>
+                            <a:latin typeface="Cambria Math" panose="02040503050406030204" pitchFamily="18" charset="0"/>
+                          </a:rPr>
+                          <m:t>𝑟</m:t>
+                        </m:r>
+                      </m:e>
+                      <m:sub>
+                        <m:r>
+                          <a:rPr lang="en-US" sz="1900" b="0" i="1" smtClean="0">
+                            <a:solidFill>
+                              <a:srgbClr val="0432FF"/>
+                            </a:solidFill>
+                            <a:latin typeface="Cambria Math" panose="02040503050406030204" pitchFamily="18" charset="0"/>
+                          </a:rPr>
+                          <m:t>𝑎</m:t>
+                        </m:r>
+                      </m:sub>
+                    </m:sSub>
+                    <m:f>
+                      <m:fPr>
+                        <m:ctrlPr>
+                          <a:rPr lang="ar-AE" sz="1900" i="1">
+                            <a:latin typeface="Cambria Math" panose="02040503050406030204" pitchFamily="18" charset="0"/>
+                          </a:rPr>
+                        </m:ctrlPr>
+                      </m:fPr>
+                      <m:num>
+                        <m:r>
+                          <a:rPr lang="ar-AE" sz="1900" smtClean="0">
+                            <a:solidFill>
+                              <a:srgbClr val="FF40FF"/>
+                            </a:solidFill>
+                            <a:latin typeface="Cambria Math" panose="02040503050406030204" pitchFamily="18" charset="0"/>
+                          </a:rPr>
+                          <m:t>𝑎</m:t>
+                        </m:r>
+                      </m:num>
+                      <m:den>
+                        <m:r>
+                          <a:rPr lang="ar-AE" sz="1900" smtClean="0">
+                            <a:solidFill>
+                              <a:srgbClr val="FF40FF"/>
+                            </a:solidFill>
+                            <a:latin typeface="Cambria Math" panose="02040503050406030204" pitchFamily="18" charset="0"/>
+                          </a:rPr>
+                          <m:t>𝑎</m:t>
+                        </m:r>
+                        <m:r>
+                          <a:rPr lang="ar-AE" sz="1900">
+                            <a:latin typeface="Cambria Math" panose="02040503050406030204" pitchFamily="18" charset="0"/>
+                          </a:rPr>
+                          <m:t>+</m:t>
+                        </m:r>
+                        <m:sSub>
+                          <m:sSubPr>
+                            <m:ctrlPr>
+                              <a:rPr lang="ar-AE" sz="1900" i="1">
+                                <a:latin typeface="Cambria Math" panose="02040503050406030204" pitchFamily="18" charset="0"/>
+                              </a:rPr>
+                            </m:ctrlPr>
+                          </m:sSubPr>
+                          <m:e>
+                            <m:r>
+                              <a:rPr lang="ar-AE" sz="1900">
+                                <a:latin typeface="Cambria Math" panose="02040503050406030204" pitchFamily="18" charset="0"/>
+                              </a:rPr>
+                              <m:t>𝑎</m:t>
+                            </m:r>
+                          </m:e>
+                          <m:sub>
+                            <m:r>
+                              <a:rPr lang="ar-AE" sz="1900">
+                                <a:latin typeface="Cambria Math" panose="02040503050406030204" pitchFamily="18" charset="0"/>
+                              </a:rPr>
+                              <m:t>𝑠𝑎𝑡</m:t>
+                            </m:r>
+                          </m:sub>
+                        </m:sSub>
+                      </m:den>
+                    </m:f>
                   </m:oMath>
-                </a14:m>
-                <a:endParaRPr lang="en-GB" sz="1900" b="0" i="0" dirty="0">
-                  <a:latin typeface="Cambria Math" panose="02040503050406030204" pitchFamily="18" charset="0"/>
-                  <a:ea typeface="Cambria Math" panose="02040503050406030204" pitchFamily="18" charset="0"/>
-                </a:endParaRPr>
-              </a:p>
-              <a:p>
-                <a:pPr/>
-                <a14:m>
-                  <m:oMathPara xmlns:m="http://schemas.openxmlformats.org/officeDocument/2006/math">
-                    <m:oMathParaPr>
-                      <m:jc m:val="left"/>
-                    </m:oMathParaPr>
-                    <m:oMath xmlns:m="http://schemas.openxmlformats.org/officeDocument/2006/math">
-                      <m:r>
-                        <a:rPr lang="en-GB" sz="1900" b="0" i="0" smtClean="0">
-                          <a:latin typeface="Cambria Math" panose="02040503050406030204" pitchFamily="18" charset="0"/>
-                        </a:rPr>
-                        <m:t>=</m:t>
-                      </m:r>
-                      <m:r>
-                        <a:rPr lang="ar-AE" sz="1900" smtClean="0">
-                          <a:latin typeface="Cambria Math" panose="02040503050406030204" pitchFamily="18" charset="0"/>
-                        </a:rPr>
-                        <m:t>𝑘</m:t>
-                      </m:r>
-                      <m:sSub>
-                        <m:sSubPr>
-                          <m:ctrlPr>
-                            <a:rPr lang="ar-AE" sz="1900" i="1">
-                              <a:latin typeface="Cambria Math" panose="02040503050406030204" pitchFamily="18" charset="0"/>
-                            </a:rPr>
-                          </m:ctrlPr>
-                        </m:sSubPr>
-                        <m:e>
-                          <m:r>
-                            <a:rPr lang="ar-AE" sz="1900">
-                              <a:latin typeface="Cambria Math" panose="02040503050406030204" pitchFamily="18" charset="0"/>
-                            </a:rPr>
-                            <m:t>𝑓</m:t>
-                          </m:r>
-                        </m:e>
-                        <m:sub>
-                          <m:r>
-                            <a:rPr lang="ar-AE" sz="1900" smtClean="0">
-                              <a:solidFill>
-                                <a:srgbClr val="00B050"/>
-                              </a:solidFill>
-                              <a:latin typeface="Cambria Math" panose="02040503050406030204" pitchFamily="18" charset="0"/>
-                            </a:rPr>
-                            <m:t>𝐸</m:t>
-                          </m:r>
-                        </m:sub>
-                      </m:sSub>
-                      <m:d>
-                        <m:dPr>
-                          <m:ctrlPr>
-                            <a:rPr lang="ar-AE" sz="1900" i="1">
-                              <a:latin typeface="Cambria Math" panose="02040503050406030204" pitchFamily="18" charset="0"/>
-                            </a:rPr>
-                          </m:ctrlPr>
-                        </m:dPr>
-                        <m:e>
-                          <m:r>
-                            <a:rPr lang="ar-AE" sz="1900">
-                              <a:latin typeface="Cambria Math" panose="02040503050406030204" pitchFamily="18" charset="0"/>
-                            </a:rPr>
-                            <m:t>1</m:t>
-                          </m:r>
-                          <m:r>
-                            <a:rPr lang="ar-AE" sz="1900">
-                              <a:latin typeface="Cambria Math" panose="02040503050406030204" pitchFamily="18" charset="0"/>
-                            </a:rPr>
-                            <m:t>−</m:t>
-                          </m:r>
-                          <m:r>
-                            <a:rPr lang="ar-AE" sz="1900" smtClean="0">
-                              <a:solidFill>
-                                <a:srgbClr val="FF40FF"/>
-                              </a:solidFill>
-                              <a:latin typeface="Cambria Math" panose="02040503050406030204" pitchFamily="18" charset="0"/>
-                            </a:rPr>
-                            <m:t>𝑎</m:t>
-                          </m:r>
-                        </m:e>
-                      </m:d>
-                      <m:r>
-                        <a:rPr lang="ar-AE" sz="1900">
-                          <a:latin typeface="Cambria Math" panose="02040503050406030204" pitchFamily="18" charset="0"/>
-                        </a:rPr>
-                        <m:t>=</m:t>
-                      </m:r>
-                      <m:r>
-                        <a:rPr lang="ar-AE" sz="1900">
-                          <a:latin typeface="Cambria Math" panose="02040503050406030204" pitchFamily="18" charset="0"/>
-                        </a:rPr>
-                        <m:t>𝜎</m:t>
-                      </m:r>
-                      <m:d>
-                        <m:dPr>
-                          <m:begChr m:val="["/>
-                          <m:endChr m:val="]"/>
-                          <m:ctrlPr>
-                            <a:rPr lang="ar-AE" sz="1900" i="1">
-                              <a:latin typeface="Cambria Math" panose="02040503050406030204" pitchFamily="18" charset="0"/>
-                            </a:rPr>
-                          </m:ctrlPr>
-                        </m:dPr>
-                        <m:e>
-                          <m:sSub>
-                            <m:sSubPr>
-                              <m:ctrlPr>
-                                <a:rPr lang="ar-AE" sz="1900" i="1">
-                                  <a:latin typeface="Cambria Math" panose="02040503050406030204" pitchFamily="18" charset="0"/>
-                                </a:rPr>
-                              </m:ctrlPr>
-                            </m:sSubPr>
-                            <m:e>
-                              <m:r>
-                                <a:rPr lang="ar-AE" sz="1900">
-                                  <a:latin typeface="Cambria Math" panose="02040503050406030204" pitchFamily="18" charset="0"/>
-                                </a:rPr>
-                                <m:t>𝑓</m:t>
-                              </m:r>
-                            </m:e>
-                            <m:sub>
-                              <m:r>
-                                <a:rPr lang="ar-AE" sz="1900" smtClean="0">
-                                  <a:solidFill>
-                                    <a:srgbClr val="0432FF"/>
-                                  </a:solidFill>
-                                  <a:latin typeface="Cambria Math" panose="02040503050406030204" pitchFamily="18" charset="0"/>
-                                </a:rPr>
-                                <m:t>𝑅</m:t>
-                              </m:r>
-                            </m:sub>
-                          </m:sSub>
-                          <m:r>
-                            <a:rPr lang="ar-AE" sz="1900">
-                              <a:latin typeface="Cambria Math" panose="02040503050406030204" pitchFamily="18" charset="0"/>
-                            </a:rPr>
-                            <m:t>−</m:t>
-                          </m:r>
-                          <m:f>
-                            <m:fPr>
-                              <m:ctrlPr>
-                                <a:rPr lang="ar-AE" sz="1900" i="1">
-                                  <a:latin typeface="Cambria Math" panose="02040503050406030204" pitchFamily="18" charset="0"/>
-                                </a:rPr>
-                              </m:ctrlPr>
-                            </m:fPr>
-                            <m:num>
-                              <m:sSub>
-                                <m:sSubPr>
-                                  <m:ctrlPr>
-                                    <a:rPr lang="ar-AE" sz="1900" i="1">
-                                      <a:latin typeface="Cambria Math" panose="02040503050406030204" pitchFamily="18" charset="0"/>
-                                    </a:rPr>
-                                  </m:ctrlPr>
-                                </m:sSubPr>
-                                <m:e>
-                                  <m:r>
-                                    <a:rPr lang="ar-AE" sz="1900">
-                                      <a:latin typeface="Cambria Math" panose="02040503050406030204" pitchFamily="18" charset="0"/>
-                                    </a:rPr>
-                                    <m:t>𝑟</m:t>
-                                  </m:r>
-                                </m:e>
-                                <m:sub>
-                                  <m:r>
-                                    <a:rPr lang="ar-AE" sz="1900">
-                                      <a:latin typeface="Cambria Math" panose="02040503050406030204" pitchFamily="18" charset="0"/>
-                                    </a:rPr>
-                                    <m:t>𝑖</m:t>
-                                  </m:r>
-                                </m:sub>
-                              </m:sSub>
-                            </m:num>
-                            <m:den>
-                              <m:r>
-                                <a:rPr lang="ar-AE" sz="1900">
-                                  <a:latin typeface="Cambria Math" panose="02040503050406030204" pitchFamily="18" charset="0"/>
-                                </a:rPr>
-                                <m:t>1</m:t>
-                              </m:r>
-                              <m:r>
-                                <a:rPr lang="ar-AE" sz="1900">
-                                  <a:latin typeface="Cambria Math" panose="02040503050406030204" pitchFamily="18" charset="0"/>
-                                </a:rPr>
-                                <m:t>−</m:t>
-                              </m:r>
-                              <m:r>
-                                <a:rPr lang="ar-AE" sz="1900" smtClean="0">
-                                  <a:solidFill>
-                                    <a:srgbClr val="FF40FF"/>
-                                  </a:solidFill>
-                                  <a:latin typeface="Cambria Math" panose="02040503050406030204" pitchFamily="18" charset="0"/>
-                                </a:rPr>
-                                <m:t>𝑎</m:t>
-                              </m:r>
-                            </m:den>
-                          </m:f>
-                        </m:e>
-                      </m:d>
-                      <m:f>
-                        <m:fPr>
-                          <m:ctrlPr>
-                            <a:rPr lang="ar-AE" sz="1900" i="1">
-                              <a:latin typeface="Cambria Math" panose="02040503050406030204" pitchFamily="18" charset="0"/>
-                            </a:rPr>
-                          </m:ctrlPr>
-                        </m:fPr>
-                        <m:num>
-                          <m:r>
-                            <a:rPr lang="ar-AE" sz="1900" smtClean="0">
-                              <a:solidFill>
-                                <a:srgbClr val="FF40FF"/>
-                              </a:solidFill>
-                              <a:latin typeface="Cambria Math" panose="02040503050406030204" pitchFamily="18" charset="0"/>
-                            </a:rPr>
-                            <m:t>𝑎</m:t>
-                          </m:r>
-                        </m:num>
-                        <m:den>
-                          <m:r>
-                            <a:rPr lang="ar-AE" sz="1900" smtClean="0">
-                              <a:solidFill>
-                                <a:srgbClr val="FF40FF"/>
-                              </a:solidFill>
-                              <a:latin typeface="Cambria Math" panose="02040503050406030204" pitchFamily="18" charset="0"/>
-                            </a:rPr>
-                            <m:t>𝑎</m:t>
-                          </m:r>
-                          <m:r>
-                            <a:rPr lang="ar-AE" sz="1900">
-                              <a:latin typeface="Cambria Math" panose="02040503050406030204" pitchFamily="18" charset="0"/>
-                            </a:rPr>
-                            <m:t>+</m:t>
-                          </m:r>
-                          <m:sSub>
-                            <m:sSubPr>
-                              <m:ctrlPr>
-                                <a:rPr lang="ar-AE" sz="1900" i="1">
-                                  <a:latin typeface="Cambria Math" panose="02040503050406030204" pitchFamily="18" charset="0"/>
-                                </a:rPr>
-                              </m:ctrlPr>
-                            </m:sSubPr>
-                            <m:e>
-                              <m:r>
-                                <a:rPr lang="ar-AE" sz="1900">
-                                  <a:latin typeface="Cambria Math" panose="02040503050406030204" pitchFamily="18" charset="0"/>
-                                </a:rPr>
-                                <m:t>𝑎</m:t>
-                              </m:r>
-                            </m:e>
-                            <m:sub>
-                              <m:r>
-                                <a:rPr lang="ar-AE" sz="1900">
-                                  <a:latin typeface="Cambria Math" panose="02040503050406030204" pitchFamily="18" charset="0"/>
-                                </a:rPr>
-                                <m:t>𝑠𝑎𝑡</m:t>
-                              </m:r>
-                            </m:sub>
-                          </m:sSub>
-                        </m:den>
-                      </m:f>
-                    </m:oMath>
-                  </m:oMathPara>
                 </a14:m>
                 <a:endParaRPr lang="en-GB" sz="1900" dirty="0"/>
               </a:p>
@@ -4554,8 +4412,8 @@
             </p:nvSpPr>
             <p:spPr>
               <a:xfrm>
-                <a:off x="510640" y="2490163"/>
-                <a:ext cx="4260956" cy="934871"/>
+                <a:off x="510640" y="2880672"/>
+                <a:ext cx="4260956" cy="519822"/>
               </a:xfrm>
               <a:prstGeom prst="rect">
                 <a:avLst/>
@@ -4646,8 +4504,8 @@
           </a:p>
         </p:txBody>
       </p:sp>
-      <mc:AlternateContent xmlns:mc="http://schemas.openxmlformats.org/markup-compatibility/2006">
-        <mc:Choice xmlns:a14="http://schemas.microsoft.com/office/drawing/2010/main" Requires="a14">
+      <mc:AlternateContent xmlns:mc="http://schemas.openxmlformats.org/markup-compatibility/2006" xmlns:a14="http://schemas.microsoft.com/office/drawing/2010/main">
+        <mc:Choice Requires="a14">
           <p:sp>
             <p:nvSpPr>
               <p:cNvPr id="12" name="Rectangle 11">
@@ -4923,7 +4781,7 @@
             </p:txBody>
           </p:sp>
         </mc:Choice>
-        <mc:Fallback>
+        <mc:Fallback xmlns="">
           <p:sp>
             <p:nvSpPr>
               <p:cNvPr id="12" name="Rectangle 11">
@@ -5092,7 +4950,7 @@
         </p:nvCxnSpPr>
         <p:spPr>
           <a:xfrm>
-            <a:off x="186129" y="2328231"/>
+            <a:off x="186129" y="2716419"/>
             <a:ext cx="5029200" cy="0"/>
           </a:xfrm>
           <a:prstGeom prst="line">
@@ -5154,6 +5012,206 @@
           </a:fontRef>
         </p:style>
       </p:cxnSp>
+      <mc:AlternateContent xmlns:mc="http://schemas.openxmlformats.org/markup-compatibility/2006">
+        <mc:Choice xmlns:a14="http://schemas.microsoft.com/office/drawing/2010/main" Requires="a14">
+          <p:sp>
+            <p:nvSpPr>
+              <p:cNvPr id="2" name="Rectangle 1"/>
+              <p:cNvSpPr/>
+              <p:nvPr/>
+            </p:nvSpPr>
+            <p:spPr>
+              <a:xfrm>
+                <a:off x="1424539" y="2277249"/>
+                <a:ext cx="2428357" cy="331757"/>
+              </a:xfrm>
+              <a:prstGeom prst="rect">
+                <a:avLst/>
+              </a:prstGeom>
+            </p:spPr>
+            <p:txBody>
+              <a:bodyPr wrap="none">
+                <a:spAutoFit/>
+              </a:bodyPr>
+              <a:lstStyle/>
+              <a:p>
+                <a14:m>
+                  <m:oMath xmlns:m="http://schemas.openxmlformats.org/officeDocument/2006/math">
+                    <m:r>
+                      <a:rPr lang="ar-AE" sz="1400" smtClean="0">
+                        <a:solidFill>
+                          <a:srgbClr val="FF40FF"/>
+                        </a:solidFill>
+                        <a:latin typeface="Cambria Math" panose="02040503050406030204" pitchFamily="18" charset="0"/>
+                      </a:rPr>
+                      <m:t>𝑎</m:t>
+                    </m:r>
+                    <m:r>
+                      <a:rPr lang="ar-AE" sz="1400" i="1" smtClean="0">
+                        <a:solidFill>
+                          <a:schemeClr val="tx1"/>
+                        </a:solidFill>
+                        <a:latin typeface="Cambria Math" panose="02040503050406030204" pitchFamily="18" charset="0"/>
+                        <a:ea typeface="Cambria Math" panose="02040503050406030204" pitchFamily="18" charset="0"/>
+                      </a:rPr>
+                      <m:t>≪</m:t>
+                    </m:r>
+                    <m:r>
+                      <a:rPr lang="en-US" sz="1400" b="0" i="1" smtClean="0">
+                        <a:solidFill>
+                          <a:schemeClr val="tx1"/>
+                        </a:solidFill>
+                        <a:latin typeface="Cambria Math" panose="02040503050406030204" pitchFamily="18" charset="0"/>
+                        <a:ea typeface="Cambria Math" panose="02040503050406030204" pitchFamily="18" charset="0"/>
+                      </a:rPr>
+                      <m:t>1</m:t>
+                    </m:r>
+                  </m:oMath>
+                </a14:m>
+                <a:r>
+                  <a:rPr lang="en-US" sz="1400" dirty="0" smtClean="0"/>
+                  <a:t> because </a:t>
+                </a:r>
+                <a14:m>
+                  <m:oMath xmlns:m="http://schemas.openxmlformats.org/officeDocument/2006/math">
+                    <m:r>
+                      <m:rPr>
+                        <m:sty m:val="p"/>
+                      </m:rPr>
+                      <a:rPr lang="el-GR" sz="1400" i="1" smtClean="0">
+                        <a:solidFill>
+                          <a:schemeClr val="tx1"/>
+                        </a:solidFill>
+                        <a:latin typeface="Cambria Math" panose="02040503050406030204" pitchFamily="18" charset="0"/>
+                        <a:ea typeface="Cambria Math" panose="02040503050406030204" pitchFamily="18" charset="0"/>
+                      </a:rPr>
+                      <m:t>δ</m:t>
+                    </m:r>
+                    <m:r>
+                      <a:rPr lang="en-US" sz="1400" b="0" i="1" smtClean="0">
+                        <a:solidFill>
+                          <a:schemeClr val="tx1"/>
+                        </a:solidFill>
+                        <a:latin typeface="Cambria Math" panose="02040503050406030204" pitchFamily="18" charset="0"/>
+                        <a:ea typeface="Cambria Math" panose="02040503050406030204" pitchFamily="18" charset="0"/>
+                      </a:rPr>
+                      <m:t>= </m:t>
+                    </m:r>
+                    <m:f>
+                      <m:fPr>
+                        <m:type m:val="skw"/>
+                        <m:ctrlPr>
+                          <a:rPr lang="en-US" sz="1400" b="0" i="1" smtClean="0">
+                            <a:solidFill>
+                              <a:schemeClr val="tx1"/>
+                            </a:solidFill>
+                            <a:latin typeface="Cambria Math" panose="02040503050406030204" pitchFamily="18" charset="0"/>
+                            <a:ea typeface="Cambria Math" panose="02040503050406030204" pitchFamily="18" charset="0"/>
+                          </a:rPr>
+                        </m:ctrlPr>
+                      </m:fPr>
+                      <m:num>
+                        <m:sSub>
+                          <m:sSubPr>
+                            <m:ctrlPr>
+                              <a:rPr lang="ar-AE" sz="1400" i="1">
+                                <a:latin typeface="Cambria Math" panose="02040503050406030204" pitchFamily="18" charset="0"/>
+                              </a:rPr>
+                            </m:ctrlPr>
+                          </m:sSubPr>
+                          <m:e>
+                            <m:r>
+                              <a:rPr lang="ar-AE" sz="1400">
+                                <a:latin typeface="Cambria Math" panose="02040503050406030204" pitchFamily="18" charset="0"/>
+                              </a:rPr>
+                              <m:t>𝑓</m:t>
+                            </m:r>
+                          </m:e>
+                          <m:sub>
+                            <m:r>
+                              <a:rPr lang="ar-AE" sz="1400">
+                                <a:solidFill>
+                                  <a:srgbClr val="0432FF"/>
+                                </a:solidFill>
+                                <a:latin typeface="Cambria Math" panose="02040503050406030204" pitchFamily="18" charset="0"/>
+                              </a:rPr>
+                              <m:t>𝑅</m:t>
+                            </m:r>
+                          </m:sub>
+                        </m:sSub>
+                      </m:num>
+                      <m:den>
+                        <m:r>
+                          <a:rPr lang="ar-AE" sz="1400">
+                            <a:solidFill>
+                              <a:srgbClr val="FF40FF"/>
+                            </a:solidFill>
+                            <a:latin typeface="Cambria Math" panose="02040503050406030204" pitchFamily="18" charset="0"/>
+                          </a:rPr>
+                          <m:t>𝑎</m:t>
+                        </m:r>
+                      </m:den>
+                    </m:f>
+                    <m:r>
+                      <a:rPr lang="ar-AE" sz="1400" i="1" smtClean="0">
+                        <a:latin typeface="Cambria Math" panose="02040503050406030204" pitchFamily="18" charset="0"/>
+                        <a:ea typeface="Cambria Math" panose="02040503050406030204" pitchFamily="18" charset="0"/>
+                      </a:rPr>
+                      <m:t>≫</m:t>
+                    </m:r>
+                    <m:r>
+                      <a:rPr lang="en-US" sz="1400" i="1">
+                        <a:latin typeface="Cambria Math" panose="02040503050406030204" pitchFamily="18" charset="0"/>
+                        <a:ea typeface="Cambria Math" panose="02040503050406030204" pitchFamily="18" charset="0"/>
+                      </a:rPr>
+                      <m:t>1</m:t>
+                    </m:r>
+                  </m:oMath>
+                </a14:m>
+                <a:endParaRPr lang="en-US" sz="1400" dirty="0"/>
+              </a:p>
+            </p:txBody>
+          </p:sp>
+        </mc:Choice>
+        <mc:Fallback>
+          <p:sp>
+            <p:nvSpPr>
+              <p:cNvPr id="2" name="Rectangle 1"/>
+              <p:cNvSpPr>
+                <a:spLocks noRot="1" noChangeAspect="1" noMove="1" noResize="1" noEditPoints="1" noAdjustHandles="1" noChangeArrowheads="1" noChangeShapeType="1" noTextEdit="1"/>
+              </p:cNvSpPr>
+              <p:nvPr/>
+            </p:nvSpPr>
+            <p:spPr>
+              <a:xfrm>
+                <a:off x="1424539" y="2277249"/>
+                <a:ext cx="2428357" cy="331757"/>
+              </a:xfrm>
+              <a:prstGeom prst="rect">
+                <a:avLst/>
+              </a:prstGeom>
+              <a:blipFill>
+                <a:blip r:embed="rId5"/>
+                <a:stretch>
+                  <a:fillRect t="-87037" b="-138889"/>
+                </a:stretch>
+              </a:blipFill>
+            </p:spPr>
+            <p:txBody>
+              <a:bodyPr/>
+              <a:lstStyle/>
+              <a:p>
+                <a:r>
+                  <a:rPr lang="en-US">
+                    <a:noFill/>
+                  </a:rPr>
+                  <a:t> </a:t>
+                </a:r>
+              </a:p>
+            </p:txBody>
+          </p:sp>
+        </mc:Fallback>
+      </mc:AlternateContent>
     </p:spTree>
     <p:extLst>
       <p:ext uri="{BB962C8B-B14F-4D97-AF65-F5344CB8AC3E}">

--- a/figure-assembly/figure-2-components/panel_steady_state_equations.pptx
+++ b/figure-assembly/figure-2-components/panel_steady_state_equations.pptx
@@ -259,7 +259,7 @@
           <a:p>
             <a:fld id="{2E26A54F-8197-FC45-8BC9-6D7422A795DE}" type="datetimeFigureOut">
               <a:rPr lang="en-US" smtClean="0"/>
-              <a:t>2019-10-29</a:t>
+              <a:t>2019-11-09</a:t>
             </a:fld>
             <a:endParaRPr lang="en-US"/>
           </a:p>
@@ -457,7 +457,7 @@
           <a:p>
             <a:fld id="{2E26A54F-8197-FC45-8BC9-6D7422A795DE}" type="datetimeFigureOut">
               <a:rPr lang="en-US" smtClean="0"/>
-              <a:t>2019-10-29</a:t>
+              <a:t>2019-11-09</a:t>
             </a:fld>
             <a:endParaRPr lang="en-US"/>
           </a:p>
@@ -665,7 +665,7 @@
           <a:p>
             <a:fld id="{2E26A54F-8197-FC45-8BC9-6D7422A795DE}" type="datetimeFigureOut">
               <a:rPr lang="en-US" smtClean="0"/>
-              <a:t>2019-10-29</a:t>
+              <a:t>2019-11-09</a:t>
             </a:fld>
             <a:endParaRPr lang="en-US"/>
           </a:p>
@@ -863,7 +863,7 @@
           <a:p>
             <a:fld id="{2E26A54F-8197-FC45-8BC9-6D7422A795DE}" type="datetimeFigureOut">
               <a:rPr lang="en-US" smtClean="0"/>
-              <a:t>2019-10-29</a:t>
+              <a:t>2019-11-09</a:t>
             </a:fld>
             <a:endParaRPr lang="en-US"/>
           </a:p>
@@ -1138,7 +1138,7 @@
           <a:p>
             <a:fld id="{2E26A54F-8197-FC45-8BC9-6D7422A795DE}" type="datetimeFigureOut">
               <a:rPr lang="en-US" smtClean="0"/>
-              <a:t>2019-10-29</a:t>
+              <a:t>2019-11-09</a:t>
             </a:fld>
             <a:endParaRPr lang="en-US"/>
           </a:p>
@@ -1403,7 +1403,7 @@
           <a:p>
             <a:fld id="{2E26A54F-8197-FC45-8BC9-6D7422A795DE}" type="datetimeFigureOut">
               <a:rPr lang="en-US" smtClean="0"/>
-              <a:t>2019-10-29</a:t>
+              <a:t>2019-11-09</a:t>
             </a:fld>
             <a:endParaRPr lang="en-US"/>
           </a:p>
@@ -1815,7 +1815,7 @@
           <a:p>
             <a:fld id="{2E26A54F-8197-FC45-8BC9-6D7422A795DE}" type="datetimeFigureOut">
               <a:rPr lang="en-US" smtClean="0"/>
-              <a:t>2019-10-29</a:t>
+              <a:t>2019-11-09</a:t>
             </a:fld>
             <a:endParaRPr lang="en-US"/>
           </a:p>
@@ -1956,7 +1956,7 @@
           <a:p>
             <a:fld id="{2E26A54F-8197-FC45-8BC9-6D7422A795DE}" type="datetimeFigureOut">
               <a:rPr lang="en-US" smtClean="0"/>
-              <a:t>2019-10-29</a:t>
+              <a:t>2019-11-09</a:t>
             </a:fld>
             <a:endParaRPr lang="en-US"/>
           </a:p>
@@ -2069,7 +2069,7 @@
           <a:p>
             <a:fld id="{2E26A54F-8197-FC45-8BC9-6D7422A795DE}" type="datetimeFigureOut">
               <a:rPr lang="en-US" smtClean="0"/>
-              <a:t>2019-10-29</a:t>
+              <a:t>2019-11-09</a:t>
             </a:fld>
             <a:endParaRPr lang="en-US"/>
           </a:p>
@@ -2380,7 +2380,7 @@
           <a:p>
             <a:fld id="{2E26A54F-8197-FC45-8BC9-6D7422A795DE}" type="datetimeFigureOut">
               <a:rPr lang="en-US" smtClean="0"/>
-              <a:t>2019-10-29</a:t>
+              <a:t>2019-11-09</a:t>
             </a:fld>
             <a:endParaRPr lang="en-US"/>
           </a:p>
@@ -2668,7 +2668,7 @@
           <a:p>
             <a:fld id="{2E26A54F-8197-FC45-8BC9-6D7422A795DE}" type="datetimeFigureOut">
               <a:rPr lang="en-US" smtClean="0"/>
-              <a:t>2019-10-29</a:t>
+              <a:t>2019-11-09</a:t>
             </a:fld>
             <a:endParaRPr lang="en-US"/>
           </a:p>
@@ -2909,7 +2909,7 @@
           <a:p>
             <a:fld id="{2E26A54F-8197-FC45-8BC9-6D7422A795DE}" type="datetimeFigureOut">
               <a:rPr lang="en-US" smtClean="0"/>
-              <a:t>2019-10-29</a:t>
+              <a:t>2019-11-09</a:t>
             </a:fld>
             <a:endParaRPr lang="en-US"/>
           </a:p>
@@ -4228,7 +4228,7 @@
             <p:spPr>
               <a:xfrm>
                 <a:off x="510640" y="2880672"/>
-                <a:ext cx="4260956" cy="519822"/>
+                <a:ext cx="4260956" cy="524503"/>
               </a:xfrm>
               <a:prstGeom prst="rect">
                 <a:avLst/>
@@ -4295,37 +4295,71 @@
                       </a:rPr>
                       <m:t>𝜎</m:t>
                     </m:r>
-                    <m:sSub>
-                      <m:sSubPr>
+                    <m:f>
+                      <m:fPr>
                         <m:ctrlPr>
                           <a:rPr lang="ar-AE" sz="1900" i="1" smtClean="0">
                             <a:latin typeface="Cambria Math" panose="02040503050406030204" pitchFamily="18" charset="0"/>
                           </a:rPr>
                         </m:ctrlPr>
-                      </m:sSubPr>
-                      <m:e>
+                      </m:fPr>
+                      <m:num>
+                        <m:sSub>
+                          <m:sSubPr>
+                            <m:ctrlPr>
+                              <a:rPr lang="ar-AE" sz="1900" i="1">
+                                <a:latin typeface="Cambria Math" panose="02040503050406030204" pitchFamily="18" charset="0"/>
+                              </a:rPr>
+                            </m:ctrlPr>
+                          </m:sSubPr>
+                          <m:e>
+                            <m:r>
+                              <a:rPr lang="ar-AE" sz="2000">
+                                <a:solidFill>
+                                  <a:srgbClr val="0432FF"/>
+                                </a:solidFill>
+                                <a:latin typeface="Cambria Math" panose="02040503050406030204" pitchFamily="18" charset="0"/>
+                              </a:rPr>
+                              <m:t>𝑟</m:t>
+                            </m:r>
+                          </m:e>
+                          <m:sub>
+                            <m:r>
+                              <a:rPr lang="en-US" sz="1900" i="1">
+                                <a:solidFill>
+                                  <a:srgbClr val="0432FF"/>
+                                </a:solidFill>
+                                <a:latin typeface="Cambria Math" panose="02040503050406030204" pitchFamily="18" charset="0"/>
+                              </a:rPr>
+                              <m:t>𝑎</m:t>
+                            </m:r>
+                          </m:sub>
+                        </m:sSub>
+                      </m:num>
+                      <m:den>
                         <m:r>
-                          <a:rPr lang="ar-AE" sz="2000">
-                            <a:solidFill>
-                              <a:srgbClr val="0432FF"/>
-                            </a:solidFill>
+                          <a:rPr lang="en-US" sz="1900" b="0" i="1" smtClean="0">
                             <a:latin typeface="Cambria Math" panose="02040503050406030204" pitchFamily="18" charset="0"/>
                           </a:rPr>
-                          <m:t>𝑟</m:t>
+                          <m:t>1</m:t>
                         </m:r>
-                      </m:e>
-                      <m:sub>
                         <m:r>
                           <a:rPr lang="en-US" sz="1900" b="0" i="1" smtClean="0">
+                            <a:latin typeface="Cambria Math" panose="02040503050406030204" pitchFamily="18" charset="0"/>
+                          </a:rPr>
+                          <m:t>−</m:t>
+                        </m:r>
+                        <m:r>
+                          <a:rPr lang="ar-AE" sz="1900">
                             <a:solidFill>
-                              <a:srgbClr val="0432FF"/>
+                              <a:srgbClr val="FF40FF"/>
                             </a:solidFill>
                             <a:latin typeface="Cambria Math" panose="02040503050406030204" pitchFamily="18" charset="0"/>
                           </a:rPr>
                           <m:t>𝑎</m:t>
                         </m:r>
-                      </m:sub>
-                    </m:sSub>
+                      </m:den>
+                    </m:f>
                     <m:f>
                       <m:fPr>
                         <m:ctrlPr>
@@ -4413,7 +4447,7 @@
             <p:spPr>
               <a:xfrm>
                 <a:off x="510640" y="2880672"/>
-                <a:ext cx="4260956" cy="519822"/>
+                <a:ext cx="4260956" cy="524503"/>
               </a:xfrm>
               <a:prstGeom prst="rect">
                 <a:avLst/>
@@ -5012,8 +5046,8 @@
           </a:fontRef>
         </p:style>
       </p:cxnSp>
-      <mc:AlternateContent xmlns:mc="http://schemas.openxmlformats.org/markup-compatibility/2006">
-        <mc:Choice xmlns:a14="http://schemas.microsoft.com/office/drawing/2010/main" Requires="a14">
+      <mc:AlternateContent xmlns:mc="http://schemas.openxmlformats.org/markup-compatibility/2006" xmlns:a14="http://schemas.microsoft.com/office/drawing/2010/main">
+        <mc:Choice Requires="a14">
           <p:sp>
             <p:nvSpPr>
               <p:cNvPr id="2" name="Rectangle 1"/>
@@ -5173,7 +5207,7 @@
             </p:txBody>
           </p:sp>
         </mc:Choice>
-        <mc:Fallback>
+        <mc:Fallback xmlns="">
           <p:sp>
             <p:nvSpPr>
               <p:cNvPr id="2" name="Rectangle 1"/>
